--- a/slides/10701/Ajax_Programming_Design/[W1] Introduction of Web Design.pptx
+++ b/slides/10701/Ajax_Programming_Design/[W1] Introduction of Web Design.pptx
@@ -1,9 +1,12 @@
 
 <file path=ppt/presentation.xml><?xml version="1.0" encoding="utf-8"?>
-<p:presentation xmlns:a="http://schemas.openxmlformats.org/drawingml/2006/main" xmlns:r="http://schemas.openxmlformats.org/officeDocument/2006/relationships" xmlns:p="http://schemas.openxmlformats.org/presentationml/2006/main" saveSubsetFonts="1">
+<p:presentation xmlns:a="http://schemas.openxmlformats.org/drawingml/2006/main" xmlns:r="http://schemas.openxmlformats.org/officeDocument/2006/relationships" xmlns:p="http://schemas.openxmlformats.org/presentationml/2006/main" showSpecialPlsOnTitleSld="0" saveSubsetFonts="1">
   <p:sldMasterIdLst>
     <p:sldMasterId id="2147483696" r:id="rId1"/>
   </p:sldMasterIdLst>
+  <p:notesMasterIdLst>
+    <p:notesMasterId r:id="rId13"/>
+  </p:notesMasterIdLst>
   <p:sldIdLst>
     <p:sldId id="256" r:id="rId2"/>
     <p:sldId id="257" r:id="rId3"/>
@@ -114,7 +117,373 @@
       </a:defRPr>
     </a:lvl9pPr>
   </p:defaultTextStyle>
+  <p:extLst>
+    <p:ext uri="{EFAFB233-063F-42B5-8137-9DF3F51BA10A}">
+      <p15:sldGuideLst xmlns:p15="http://schemas.microsoft.com/office/powerpoint/2012/main">
+        <p15:guide id="1" orient="horz" pos="2160">
+          <p15:clr>
+            <a:srgbClr val="A4A3A4"/>
+          </p15:clr>
+        </p15:guide>
+        <p15:guide id="2" pos="3840">
+          <p15:clr>
+            <a:srgbClr val="A4A3A4"/>
+          </p15:clr>
+        </p15:guide>
+      </p15:sldGuideLst>
+    </p:ext>
+  </p:extLst>
 </p:presentation>
+</file>
+
+<file path=ppt/notesMasters/notesMaster1.xml><?xml version="1.0" encoding="utf-8"?>
+<p:notesMaster xmlns:a="http://schemas.openxmlformats.org/drawingml/2006/main" xmlns:r="http://schemas.openxmlformats.org/officeDocument/2006/relationships" xmlns:p="http://schemas.openxmlformats.org/presentationml/2006/main">
+  <p:cSld>
+    <p:bg>
+      <p:bgRef idx="1001">
+        <a:schemeClr val="bg1"/>
+      </p:bgRef>
+    </p:bg>
+    <p:spTree>
+      <p:nvGrpSpPr>
+        <p:cNvPr id="1" name=""/>
+        <p:cNvGrpSpPr/>
+        <p:nvPr/>
+      </p:nvGrpSpPr>
+      <p:grpSpPr>
+        <a:xfrm>
+          <a:off x="0" y="0"/>
+          <a:ext cx="0" cy="0"/>
+          <a:chOff x="0" y="0"/>
+          <a:chExt cx="0" cy="0"/>
+        </a:xfrm>
+      </p:grpSpPr>
+      <p:sp>
+        <p:nvSpPr>
+          <p:cNvPr id="2" name="頁首版面配置區 1"/>
+          <p:cNvSpPr>
+            <a:spLocks noGrp="1"/>
+          </p:cNvSpPr>
+          <p:nvPr>
+            <p:ph type="hdr" sz="quarter"/>
+          </p:nvPr>
+        </p:nvSpPr>
+        <p:spPr>
+          <a:xfrm>
+            <a:off x="0" y="0"/>
+            <a:ext cx="2971800" cy="458788"/>
+          </a:xfrm>
+          <a:prstGeom prst="rect">
+            <a:avLst/>
+          </a:prstGeom>
+        </p:spPr>
+        <p:txBody>
+          <a:bodyPr vert="horz" lIns="91440" tIns="45720" rIns="91440" bIns="45720" rtlCol="0"/>
+          <a:lstStyle>
+            <a:lvl1pPr algn="l">
+              <a:defRPr sz="1200"/>
+            </a:lvl1pPr>
+          </a:lstStyle>
+          <a:p>
+            <a:endParaRPr lang="zh-TW" altLang="en-US"/>
+          </a:p>
+        </p:txBody>
+      </p:sp>
+      <p:sp>
+        <p:nvSpPr>
+          <p:cNvPr id="3" name="日期版面配置區 2"/>
+          <p:cNvSpPr>
+            <a:spLocks noGrp="1"/>
+          </p:cNvSpPr>
+          <p:nvPr>
+            <p:ph type="dt" idx="1"/>
+          </p:nvPr>
+        </p:nvSpPr>
+        <p:spPr>
+          <a:xfrm>
+            <a:off x="3884613" y="0"/>
+            <a:ext cx="2971800" cy="458788"/>
+          </a:xfrm>
+          <a:prstGeom prst="rect">
+            <a:avLst/>
+          </a:prstGeom>
+        </p:spPr>
+        <p:txBody>
+          <a:bodyPr vert="horz" lIns="91440" tIns="45720" rIns="91440" bIns="45720" rtlCol="0"/>
+          <a:lstStyle>
+            <a:lvl1pPr algn="r">
+              <a:defRPr sz="1200"/>
+            </a:lvl1pPr>
+          </a:lstStyle>
+          <a:p>
+            <a:fld id="{0D061764-1E4D-4175-8A06-F05E6C7B717D}" type="datetimeFigureOut">
+              <a:rPr lang="zh-TW" altLang="en-US" smtClean="0"/>
+              <a:t>2018/9/22</a:t>
+            </a:fld>
+            <a:endParaRPr lang="zh-TW" altLang="en-US"/>
+          </a:p>
+        </p:txBody>
+      </p:sp>
+      <p:sp>
+        <p:nvSpPr>
+          <p:cNvPr id="4" name="投影片圖像版面配置區 3"/>
+          <p:cNvSpPr>
+            <a:spLocks noGrp="1" noRot="1" noChangeAspect="1"/>
+          </p:cNvSpPr>
+          <p:nvPr>
+            <p:ph type="sldImg" idx="2"/>
+          </p:nvPr>
+        </p:nvSpPr>
+        <p:spPr>
+          <a:xfrm>
+            <a:off x="685800" y="1143000"/>
+            <a:ext cx="5486400" cy="3086100"/>
+          </a:xfrm>
+          <a:prstGeom prst="rect">
+            <a:avLst/>
+          </a:prstGeom>
+          <a:noFill/>
+          <a:ln w="12700">
+            <a:solidFill>
+              <a:prstClr val="black"/>
+            </a:solidFill>
+          </a:ln>
+        </p:spPr>
+        <p:txBody>
+          <a:bodyPr vert="horz" lIns="91440" tIns="45720" rIns="91440" bIns="45720" rtlCol="0" anchor="ctr"/>
+          <a:lstStyle/>
+          <a:p>
+            <a:endParaRPr lang="zh-TW" altLang="en-US"/>
+          </a:p>
+        </p:txBody>
+      </p:sp>
+      <p:sp>
+        <p:nvSpPr>
+          <p:cNvPr id="5" name="備忘稿版面配置區 4"/>
+          <p:cNvSpPr>
+            <a:spLocks noGrp="1"/>
+          </p:cNvSpPr>
+          <p:nvPr>
+            <p:ph type="body" sz="quarter" idx="3"/>
+          </p:nvPr>
+        </p:nvSpPr>
+        <p:spPr>
+          <a:xfrm>
+            <a:off x="685800" y="4400550"/>
+            <a:ext cx="5486400" cy="3600450"/>
+          </a:xfrm>
+          <a:prstGeom prst="rect">
+            <a:avLst/>
+          </a:prstGeom>
+        </p:spPr>
+        <p:txBody>
+          <a:bodyPr vert="horz" lIns="91440" tIns="45720" rIns="91440" bIns="45720" rtlCol="0"/>
+          <a:lstStyle/>
+          <a:p>
+            <a:pPr lvl="0"/>
+            <a:r>
+              <a:rPr lang="zh-TW" altLang="en-US" smtClean="0"/>
+              <a:t>編輯母片文字樣式</a:t>
+            </a:r>
+          </a:p>
+          <a:p>
+            <a:pPr lvl="1"/>
+            <a:r>
+              <a:rPr lang="zh-TW" altLang="en-US" smtClean="0"/>
+              <a:t>第二層</a:t>
+            </a:r>
+          </a:p>
+          <a:p>
+            <a:pPr lvl="2"/>
+            <a:r>
+              <a:rPr lang="zh-TW" altLang="en-US" smtClean="0"/>
+              <a:t>第三層</a:t>
+            </a:r>
+          </a:p>
+          <a:p>
+            <a:pPr lvl="3"/>
+            <a:r>
+              <a:rPr lang="zh-TW" altLang="en-US" smtClean="0"/>
+              <a:t>第四層</a:t>
+            </a:r>
+          </a:p>
+          <a:p>
+            <a:pPr lvl="4"/>
+            <a:r>
+              <a:rPr lang="zh-TW" altLang="en-US" smtClean="0"/>
+              <a:t>第五層</a:t>
+            </a:r>
+            <a:endParaRPr lang="zh-TW" altLang="en-US"/>
+          </a:p>
+        </p:txBody>
+      </p:sp>
+      <p:sp>
+        <p:nvSpPr>
+          <p:cNvPr id="6" name="頁尾版面配置區 5"/>
+          <p:cNvSpPr>
+            <a:spLocks noGrp="1"/>
+          </p:cNvSpPr>
+          <p:nvPr>
+            <p:ph type="ftr" sz="quarter" idx="4"/>
+          </p:nvPr>
+        </p:nvSpPr>
+        <p:spPr>
+          <a:xfrm>
+            <a:off x="0" y="8685213"/>
+            <a:ext cx="2971800" cy="458787"/>
+          </a:xfrm>
+          <a:prstGeom prst="rect">
+            <a:avLst/>
+          </a:prstGeom>
+        </p:spPr>
+        <p:txBody>
+          <a:bodyPr vert="horz" lIns="91440" tIns="45720" rIns="91440" bIns="45720" rtlCol="0" anchor="b"/>
+          <a:lstStyle>
+            <a:lvl1pPr algn="l">
+              <a:defRPr sz="1200"/>
+            </a:lvl1pPr>
+          </a:lstStyle>
+          <a:p>
+            <a:endParaRPr lang="zh-TW" altLang="en-US"/>
+          </a:p>
+        </p:txBody>
+      </p:sp>
+      <p:sp>
+        <p:nvSpPr>
+          <p:cNvPr id="7" name="投影片編號版面配置區 6"/>
+          <p:cNvSpPr>
+            <a:spLocks noGrp="1"/>
+          </p:cNvSpPr>
+          <p:nvPr>
+            <p:ph type="sldNum" sz="quarter" idx="5"/>
+          </p:nvPr>
+        </p:nvSpPr>
+        <p:spPr>
+          <a:xfrm>
+            <a:off x="3884613" y="8685213"/>
+            <a:ext cx="2971800" cy="458787"/>
+          </a:xfrm>
+          <a:prstGeom prst="rect">
+            <a:avLst/>
+          </a:prstGeom>
+        </p:spPr>
+        <p:txBody>
+          <a:bodyPr vert="horz" lIns="91440" tIns="45720" rIns="91440" bIns="45720" rtlCol="0" anchor="b"/>
+          <a:lstStyle>
+            <a:lvl1pPr algn="r">
+              <a:defRPr sz="1200"/>
+            </a:lvl1pPr>
+          </a:lstStyle>
+          <a:p>
+            <a:fld id="{535E8D62-5C92-42F5-A845-BD0EF1C3A6B0}" type="slidenum">
+              <a:rPr lang="zh-TW" altLang="en-US" smtClean="0"/>
+              <a:t>‹#›</a:t>
+            </a:fld>
+            <a:endParaRPr lang="zh-TW" altLang="en-US"/>
+          </a:p>
+        </p:txBody>
+      </p:sp>
+    </p:spTree>
+    <p:extLst>
+      <p:ext uri="{BB962C8B-B14F-4D97-AF65-F5344CB8AC3E}">
+        <p14:creationId xmlns:p14="http://schemas.microsoft.com/office/powerpoint/2010/main" val="786754955"/>
+      </p:ext>
+    </p:extLst>
+  </p:cSld>
+  <p:clrMap bg1="lt1" tx1="dk1" bg2="lt2" tx2="dk2" accent1="accent1" accent2="accent2" accent3="accent3" accent4="accent4" accent5="accent5" accent6="accent6" hlink="hlink" folHlink="folHlink"/>
+  <p:notesStyle>
+    <a:lvl1pPr marL="0" algn="l" defTabSz="914400" rtl="0" eaLnBrk="1" latinLnBrk="0" hangingPunct="1">
+      <a:defRPr sz="1200" kern="1200">
+        <a:solidFill>
+          <a:schemeClr val="tx1"/>
+        </a:solidFill>
+        <a:latin typeface="+mn-lt"/>
+        <a:ea typeface="+mn-ea"/>
+        <a:cs typeface="+mn-cs"/>
+      </a:defRPr>
+    </a:lvl1pPr>
+    <a:lvl2pPr marL="457200" algn="l" defTabSz="914400" rtl="0" eaLnBrk="1" latinLnBrk="0" hangingPunct="1">
+      <a:defRPr sz="1200" kern="1200">
+        <a:solidFill>
+          <a:schemeClr val="tx1"/>
+        </a:solidFill>
+        <a:latin typeface="+mn-lt"/>
+        <a:ea typeface="+mn-ea"/>
+        <a:cs typeface="+mn-cs"/>
+      </a:defRPr>
+    </a:lvl2pPr>
+    <a:lvl3pPr marL="914400" algn="l" defTabSz="914400" rtl="0" eaLnBrk="1" latinLnBrk="0" hangingPunct="1">
+      <a:defRPr sz="1200" kern="1200">
+        <a:solidFill>
+          <a:schemeClr val="tx1"/>
+        </a:solidFill>
+        <a:latin typeface="+mn-lt"/>
+        <a:ea typeface="+mn-ea"/>
+        <a:cs typeface="+mn-cs"/>
+      </a:defRPr>
+    </a:lvl3pPr>
+    <a:lvl4pPr marL="1371600" algn="l" defTabSz="914400" rtl="0" eaLnBrk="1" latinLnBrk="0" hangingPunct="1">
+      <a:defRPr sz="1200" kern="1200">
+        <a:solidFill>
+          <a:schemeClr val="tx1"/>
+        </a:solidFill>
+        <a:latin typeface="+mn-lt"/>
+        <a:ea typeface="+mn-ea"/>
+        <a:cs typeface="+mn-cs"/>
+      </a:defRPr>
+    </a:lvl4pPr>
+    <a:lvl5pPr marL="1828800" algn="l" defTabSz="914400" rtl="0" eaLnBrk="1" latinLnBrk="0" hangingPunct="1">
+      <a:defRPr sz="1200" kern="1200">
+        <a:solidFill>
+          <a:schemeClr val="tx1"/>
+        </a:solidFill>
+        <a:latin typeface="+mn-lt"/>
+        <a:ea typeface="+mn-ea"/>
+        <a:cs typeface="+mn-cs"/>
+      </a:defRPr>
+    </a:lvl5pPr>
+    <a:lvl6pPr marL="2286000" algn="l" defTabSz="914400" rtl="0" eaLnBrk="1" latinLnBrk="0" hangingPunct="1">
+      <a:defRPr sz="1200" kern="1200">
+        <a:solidFill>
+          <a:schemeClr val="tx1"/>
+        </a:solidFill>
+        <a:latin typeface="+mn-lt"/>
+        <a:ea typeface="+mn-ea"/>
+        <a:cs typeface="+mn-cs"/>
+      </a:defRPr>
+    </a:lvl6pPr>
+    <a:lvl7pPr marL="2743200" algn="l" defTabSz="914400" rtl="0" eaLnBrk="1" latinLnBrk="0" hangingPunct="1">
+      <a:defRPr sz="1200" kern="1200">
+        <a:solidFill>
+          <a:schemeClr val="tx1"/>
+        </a:solidFill>
+        <a:latin typeface="+mn-lt"/>
+        <a:ea typeface="+mn-ea"/>
+        <a:cs typeface="+mn-cs"/>
+      </a:defRPr>
+    </a:lvl7pPr>
+    <a:lvl8pPr marL="3200400" algn="l" defTabSz="914400" rtl="0" eaLnBrk="1" latinLnBrk="0" hangingPunct="1">
+      <a:defRPr sz="1200" kern="1200">
+        <a:solidFill>
+          <a:schemeClr val="tx1"/>
+        </a:solidFill>
+        <a:latin typeface="+mn-lt"/>
+        <a:ea typeface="+mn-ea"/>
+        <a:cs typeface="+mn-cs"/>
+      </a:defRPr>
+    </a:lvl8pPr>
+    <a:lvl9pPr marL="3657600" algn="l" defTabSz="914400" rtl="0" eaLnBrk="1" latinLnBrk="0" hangingPunct="1">
+      <a:defRPr sz="1200" kern="1200">
+        <a:solidFill>
+          <a:schemeClr val="tx1"/>
+        </a:solidFill>
+        <a:latin typeface="+mn-lt"/>
+        <a:ea typeface="+mn-ea"/>
+        <a:cs typeface="+mn-cs"/>
+      </a:defRPr>
+    </a:lvl9pPr>
+  </p:notesStyle>
+</p:notesMaster>
 </file>
 
 <file path=ppt/slideLayouts/slideLayout1.xml><?xml version="1.0" encoding="utf-8"?>
@@ -344,9 +713,9 @@
           <a:bodyPr/>
           <a:lstStyle/>
           <a:p>
-            <a:fld id="{B0900D39-E541-45DB-ADB4-970795EE9B1C}" type="datetimeFigureOut">
-              <a:rPr lang="zh-TW" altLang="en-US" smtClean="0"/>
-              <a:t>2018/9/14</a:t>
+            <a:fld id="{DA3802B5-F19A-4E01-A4C9-9A7DAFEA295E}" type="datetime1">
+              <a:rPr lang="zh-TW" altLang="en-US" smtClean="0"/>
+              <a:t>2018/9/22</a:t>
             </a:fld>
             <a:endParaRPr lang="zh-TW" altLang="en-US"/>
           </a:p>
@@ -678,9 +1047,9 @@
           <a:bodyPr/>
           <a:lstStyle/>
           <a:p>
-            <a:fld id="{B0900D39-E541-45DB-ADB4-970795EE9B1C}" type="datetimeFigureOut">
-              <a:rPr lang="zh-TW" altLang="en-US" smtClean="0"/>
-              <a:t>2018/9/14</a:t>
+            <a:fld id="{6DA6C0BF-4863-4B64-A62C-3088D47D36EF}" type="datetime1">
+              <a:rPr lang="zh-TW" altLang="en-US" smtClean="0"/>
+              <a:t>2018/9/22</a:t>
             </a:fld>
             <a:endParaRPr lang="zh-TW" altLang="en-US"/>
           </a:p>
@@ -956,9 +1325,9 @@
           <a:bodyPr/>
           <a:lstStyle/>
           <a:p>
-            <a:fld id="{B0900D39-E541-45DB-ADB4-970795EE9B1C}" type="datetimeFigureOut">
-              <a:rPr lang="zh-TW" altLang="en-US" smtClean="0"/>
-              <a:t>2018/9/14</a:t>
+            <a:fld id="{D8C4EF57-FBE0-422F-8601-6D4A9BB4E61F}" type="datetime1">
+              <a:rPr lang="zh-TW" altLang="en-US" smtClean="0"/>
+              <a:t>2018/9/22</a:t>
             </a:fld>
             <a:endParaRPr lang="zh-TW" altLang="en-US"/>
           </a:p>
@@ -1524,9 +1893,9 @@
           <a:bodyPr/>
           <a:lstStyle/>
           <a:p>
-            <a:fld id="{B0900D39-E541-45DB-ADB4-970795EE9B1C}" type="datetimeFigureOut">
-              <a:rPr lang="zh-TW" altLang="en-US" smtClean="0"/>
-              <a:t>2018/9/14</a:t>
+            <a:fld id="{3176E580-A502-4E71-B5E2-594231DA3001}" type="datetime1">
+              <a:rPr lang="zh-TW" altLang="en-US" smtClean="0"/>
+              <a:t>2018/9/22</a:t>
             </a:fld>
             <a:endParaRPr lang="zh-TW" altLang="en-US"/>
           </a:p>
@@ -1802,9 +2171,9 @@
           <a:bodyPr/>
           <a:lstStyle/>
           <a:p>
-            <a:fld id="{B0900D39-E541-45DB-ADB4-970795EE9B1C}" type="datetimeFigureOut">
-              <a:rPr lang="zh-TW" altLang="en-US" smtClean="0"/>
-              <a:t>2018/9/14</a:t>
+            <a:fld id="{1D853D74-79CA-4B22-8745-E275F24D1D17}" type="datetime1">
+              <a:rPr lang="zh-TW" altLang="en-US" smtClean="0"/>
+              <a:t>2018/9/22</a:t>
             </a:fld>
             <a:endParaRPr lang="zh-TW" altLang="en-US"/>
           </a:p>
@@ -2364,9 +2733,9 @@
           <a:bodyPr/>
           <a:lstStyle/>
           <a:p>
-            <a:fld id="{B0900D39-E541-45DB-ADB4-970795EE9B1C}" type="datetimeFigureOut">
-              <a:rPr lang="zh-TW" altLang="en-US" smtClean="0"/>
-              <a:t>2018/9/14</a:t>
+            <a:fld id="{FFAA3997-8B58-4269-988D-2891FAD7BB23}" type="datetime1">
+              <a:rPr lang="zh-TW" altLang="en-US" smtClean="0"/>
+              <a:t>2018/9/22</a:t>
             </a:fld>
             <a:endParaRPr lang="zh-TW" altLang="en-US"/>
           </a:p>
@@ -2691,9 +3060,9 @@
           <a:bodyPr/>
           <a:lstStyle/>
           <a:p>
-            <a:fld id="{B0900D39-E541-45DB-ADB4-970795EE9B1C}" type="datetimeFigureOut">
-              <a:rPr lang="zh-TW" altLang="en-US" smtClean="0"/>
-              <a:t>2018/9/14</a:t>
+            <a:fld id="{488866AD-1CF4-4B27-8AC6-6B13AD86C325}" type="datetime1">
+              <a:rPr lang="zh-TW" altLang="en-US" smtClean="0"/>
+              <a:t>2018/9/22</a:t>
             </a:fld>
             <a:endParaRPr lang="zh-TW" altLang="en-US"/>
           </a:p>
@@ -2896,9 +3265,9 @@
           <a:bodyPr/>
           <a:lstStyle/>
           <a:p>
-            <a:fld id="{B0900D39-E541-45DB-ADB4-970795EE9B1C}" type="datetimeFigureOut">
-              <a:rPr lang="zh-TW" altLang="en-US" smtClean="0"/>
-              <a:t>2018/9/14</a:t>
+            <a:fld id="{D72EF218-6167-4278-892F-5948E7027A9C}" type="datetime1">
+              <a:rPr lang="zh-TW" altLang="en-US" smtClean="0"/>
+              <a:t>2018/9/22</a:t>
             </a:fld>
             <a:endParaRPr lang="zh-TW" altLang="en-US"/>
           </a:p>
@@ -3106,9 +3475,9 @@
           <a:bodyPr/>
           <a:lstStyle/>
           <a:p>
-            <a:fld id="{B0900D39-E541-45DB-ADB4-970795EE9B1C}" type="datetimeFigureOut">
-              <a:rPr lang="zh-TW" altLang="en-US" smtClean="0"/>
-              <a:t>2018/9/14</a:t>
+            <a:fld id="{C3831562-5AB0-4205-AAD8-449CDDB4F7CE}" type="datetime1">
+              <a:rPr lang="zh-TW" altLang="en-US" smtClean="0"/>
+              <a:t>2018/9/22</a:t>
             </a:fld>
             <a:endParaRPr lang="zh-TW" altLang="en-US"/>
           </a:p>
@@ -3306,9 +3675,9 @@
           <a:bodyPr/>
           <a:lstStyle/>
           <a:p>
-            <a:fld id="{B0900D39-E541-45DB-ADB4-970795EE9B1C}" type="datetimeFigureOut">
-              <a:rPr lang="zh-TW" altLang="en-US" smtClean="0"/>
-              <a:t>2018/9/14</a:t>
+            <a:fld id="{C201B89E-46F5-4630-ADD0-C5FBABF54BCB}" type="datetime1">
+              <a:rPr lang="zh-TW" altLang="en-US" smtClean="0"/>
+              <a:t>2018/9/22</a:t>
             </a:fld>
             <a:endParaRPr lang="zh-TW" altLang="en-US"/>
           </a:p>
@@ -3582,9 +3951,9 @@
           <a:bodyPr/>
           <a:lstStyle/>
           <a:p>
-            <a:fld id="{B0900D39-E541-45DB-ADB4-970795EE9B1C}" type="datetimeFigureOut">
-              <a:rPr lang="zh-TW" altLang="en-US" smtClean="0"/>
-              <a:t>2018/9/14</a:t>
+            <a:fld id="{12935BD6-48F0-4BFD-9B63-CF72407D0749}" type="datetime1">
+              <a:rPr lang="zh-TW" altLang="en-US" smtClean="0"/>
+              <a:t>2018/9/22</a:t>
             </a:fld>
             <a:endParaRPr lang="zh-TW" altLang="en-US"/>
           </a:p>
@@ -3848,9 +4217,9 @@
           <a:bodyPr/>
           <a:lstStyle/>
           <a:p>
-            <a:fld id="{B0900D39-E541-45DB-ADB4-970795EE9B1C}" type="datetimeFigureOut">
-              <a:rPr lang="zh-TW" altLang="en-US" smtClean="0"/>
-              <a:t>2018/9/14</a:t>
+            <a:fld id="{4681A90E-4508-4B00-8403-D477A0BCA28E}" type="datetime1">
+              <a:rPr lang="zh-TW" altLang="en-US" smtClean="0"/>
+              <a:t>2018/9/22</a:t>
             </a:fld>
             <a:endParaRPr lang="zh-TW" altLang="en-US"/>
           </a:p>
@@ -4222,9 +4591,9 @@
           <a:bodyPr/>
           <a:lstStyle/>
           <a:p>
-            <a:fld id="{B0900D39-E541-45DB-ADB4-970795EE9B1C}" type="datetimeFigureOut">
-              <a:rPr lang="zh-TW" altLang="en-US" smtClean="0"/>
-              <a:t>2018/9/14</a:t>
+            <a:fld id="{9AEB388F-F847-4337-BC0E-668A9320E5BC}" type="datetime1">
+              <a:rPr lang="zh-TW" altLang="en-US" smtClean="0"/>
+              <a:t>2018/9/22</a:t>
             </a:fld>
             <a:endParaRPr lang="zh-TW" altLang="en-US"/>
           </a:p>
@@ -4370,9 +4739,9 @@
           <a:bodyPr/>
           <a:lstStyle/>
           <a:p>
-            <a:fld id="{B0900D39-E541-45DB-ADB4-970795EE9B1C}" type="datetimeFigureOut">
-              <a:rPr lang="zh-TW" altLang="en-US" smtClean="0"/>
-              <a:t>2018/9/14</a:t>
+            <a:fld id="{EE6BECD1-570B-480D-9668-9E5A28988EDE}" type="datetime1">
+              <a:rPr lang="zh-TW" altLang="en-US" smtClean="0"/>
+              <a:t>2018/9/22</a:t>
             </a:fld>
             <a:endParaRPr lang="zh-TW" altLang="en-US"/>
           </a:p>
@@ -4495,9 +4864,9 @@
           <a:bodyPr/>
           <a:lstStyle/>
           <a:p>
-            <a:fld id="{B0900D39-E541-45DB-ADB4-970795EE9B1C}" type="datetimeFigureOut">
-              <a:rPr lang="zh-TW" altLang="en-US" smtClean="0"/>
-              <a:t>2018/9/14</a:t>
+            <a:fld id="{C6B9325A-F9D1-40F6-B23C-B14F6590BDE1}" type="datetime1">
+              <a:rPr lang="zh-TW" altLang="en-US" smtClean="0"/>
+              <a:t>2018/9/22</a:t>
             </a:fld>
             <a:endParaRPr lang="zh-TW" altLang="en-US"/>
           </a:p>
@@ -4780,9 +5149,9 @@
           <a:bodyPr/>
           <a:lstStyle/>
           <a:p>
-            <a:fld id="{B0900D39-E541-45DB-ADB4-970795EE9B1C}" type="datetimeFigureOut">
-              <a:rPr lang="zh-TW" altLang="en-US" smtClean="0"/>
-              <a:t>2018/9/14</a:t>
+            <a:fld id="{149E2F43-E151-451E-9874-FFBD45B3DAB7}" type="datetime1">
+              <a:rPr lang="zh-TW" altLang="en-US" smtClean="0"/>
+              <a:t>2018/9/22</a:t>
             </a:fld>
             <a:endParaRPr lang="zh-TW" altLang="en-US"/>
           </a:p>
@@ -5104,9 +5473,9 @@
           <a:bodyPr/>
           <a:lstStyle/>
           <a:p>
-            <a:fld id="{B0900D39-E541-45DB-ADB4-970795EE9B1C}" type="datetimeFigureOut">
-              <a:rPr lang="zh-TW" altLang="en-US" smtClean="0"/>
-              <a:t>2018/9/14</a:t>
+            <a:fld id="{BFE46767-3BB0-4DA7-B841-1EDFCF120A34}" type="datetime1">
+              <a:rPr lang="zh-TW" altLang="en-US" smtClean="0"/>
+              <a:t>2018/9/22</a:t>
             </a:fld>
             <a:endParaRPr lang="zh-TW" altLang="en-US"/>
           </a:p>
@@ -5318,9 +5687,9 @@
             </a:lvl1pPr>
           </a:lstStyle>
           <a:p>
-            <a:fld id="{B0900D39-E541-45DB-ADB4-970795EE9B1C}" type="datetimeFigureOut">
-              <a:rPr lang="zh-TW" altLang="en-US" smtClean="0"/>
-              <a:t>2018/9/14</a:t>
+            <a:fld id="{467A12C5-E49C-46D9-B4C6-185BBC47313E}" type="datetime1">
+              <a:rPr lang="zh-TW" altLang="en-US" smtClean="0"/>
+              <a:t>2018/9/22</a:t>
             </a:fld>
             <a:endParaRPr lang="zh-TW" altLang="en-US"/>
           </a:p>
@@ -5431,6 +5800,7 @@
     <p:sldLayoutId id="2147483712" r:id="rId16"/>
     <p:sldLayoutId id="2147483713" r:id="rId17"/>
   </p:sldLayoutIdLst>
+  <p:hf hdr="0" ftr="0" dt="0"/>
   <p:txStyles>
     <p:titleStyle>
       <a:lvl1pPr algn="l" defTabSz="457200" rtl="0" eaLnBrk="1" latinLnBrk="0" hangingPunct="1">
@@ -6091,6 +6461,29 @@
           </a:extLst>
         </p:spPr>
       </p:pic>
+      <p:sp>
+        <p:nvSpPr>
+          <p:cNvPr id="4" name="投影片編號版面配置區 3"/>
+          <p:cNvSpPr>
+            <a:spLocks noGrp="1"/>
+          </p:cNvSpPr>
+          <p:nvPr>
+            <p:ph type="sldNum" sz="quarter" idx="12"/>
+          </p:nvPr>
+        </p:nvSpPr>
+        <p:spPr/>
+        <p:txBody>
+          <a:bodyPr/>
+          <a:lstStyle/>
+          <a:p>
+            <a:fld id="{5444367F-F3AE-4765-8E0E-2FA8436AFA7E}" type="slidenum">
+              <a:rPr lang="zh-TW" altLang="en-US" smtClean="0"/>
+              <a:t>10</a:t>
+            </a:fld>
+            <a:endParaRPr lang="zh-TW" altLang="en-US"/>
+          </a:p>
+        </p:txBody>
+      </p:sp>
     </p:spTree>
     <p:extLst>
       <p:ext uri="{BB962C8B-B14F-4D97-AF65-F5344CB8AC3E}">
@@ -6421,14 +6814,7 @@
                 <a:latin typeface="微軟正黑體" panose="020B0604030504040204" pitchFamily="34" charset="-120"/>
                 <a:ea typeface="微軟正黑體" panose="020B0604030504040204" pitchFamily="34" charset="-120"/>
               </a:rPr>
-              <a:t> 互動設計</a:t>
-            </a:r>
-            <a:r>
-              <a:rPr lang="zh-TW" altLang="en-US" sz="2400" dirty="0" smtClean="0">
-                <a:latin typeface="微軟正黑體" panose="020B0604030504040204" pitchFamily="34" charset="-120"/>
-                <a:ea typeface="微軟正黑體" panose="020B0604030504040204" pitchFamily="34" charset="-120"/>
-              </a:rPr>
-              <a:t>。</a:t>
+              <a:t> 互動設計。</a:t>
             </a:r>
             <a:endParaRPr lang="en-US" altLang="zh-TW" sz="2400" dirty="0" smtClean="0">
               <a:latin typeface="微軟正黑體" panose="020B0604030504040204" pitchFamily="34" charset="-120"/>
@@ -6495,6 +6881,29 @@
               <a:latin typeface="微軟正黑體" panose="020B0604030504040204" pitchFamily="34" charset="-120"/>
               <a:ea typeface="微軟正黑體" panose="020B0604030504040204" pitchFamily="34" charset="-120"/>
             </a:endParaRPr>
+          </a:p>
+        </p:txBody>
+      </p:sp>
+      <p:sp>
+        <p:nvSpPr>
+          <p:cNvPr id="5" name="投影片編號版面配置區 4"/>
+          <p:cNvSpPr>
+            <a:spLocks noGrp="1"/>
+          </p:cNvSpPr>
+          <p:nvPr>
+            <p:ph type="sldNum" sz="quarter" idx="12"/>
+          </p:nvPr>
+        </p:nvSpPr>
+        <p:spPr/>
+        <p:txBody>
+          <a:bodyPr/>
+          <a:lstStyle/>
+          <a:p>
+            <a:fld id="{5444367F-F3AE-4765-8E0E-2FA8436AFA7E}" type="slidenum">
+              <a:rPr lang="zh-TW" altLang="en-US" smtClean="0"/>
+              <a:t>2</a:t>
+            </a:fld>
+            <a:endParaRPr lang="zh-TW" altLang="en-US"/>
           </a:p>
         </p:txBody>
       </p:sp>
@@ -6606,56 +7015,68 @@
                 <a:latin typeface="微軟正黑體" panose="020B0604030504040204" pitchFamily="34" charset="-120"/>
                 <a:ea typeface="微軟正黑體" panose="020B0604030504040204" pitchFamily="34" charset="-120"/>
               </a:rPr>
-              <a:t>第二、三</a:t>
+              <a:t>第二、三周：介紹基礎的</a:t>
+            </a:r>
+            <a:r>
+              <a:rPr lang="en-US" altLang="zh-TW" dirty="0" smtClean="0">
+                <a:latin typeface="微軟正黑體" panose="020B0604030504040204" pitchFamily="34" charset="-120"/>
+                <a:ea typeface="微軟正黑體" panose="020B0604030504040204" pitchFamily="34" charset="-120"/>
+              </a:rPr>
+              <a:t>HTML5</a:t>
             </a:r>
             <a:r>
               <a:rPr lang="zh-TW" altLang="en-US" dirty="0" smtClean="0">
                 <a:latin typeface="微軟正黑體" panose="020B0604030504040204" pitchFamily="34" charset="-120"/>
                 <a:ea typeface="微軟正黑體" panose="020B0604030504040204" pitchFamily="34" charset="-120"/>
               </a:rPr>
-              <a:t>周：</a:t>
+              <a:t>標籤以及</a:t>
+            </a:r>
+            <a:r>
+              <a:rPr lang="en-US" altLang="zh-TW" dirty="0" smtClean="0">
+                <a:latin typeface="微軟正黑體" panose="020B0604030504040204" pitchFamily="34" charset="-120"/>
+                <a:ea typeface="微軟正黑體" panose="020B0604030504040204" pitchFamily="34" charset="-120"/>
+              </a:rPr>
+              <a:t>Table</a:t>
             </a:r>
             <a:r>
               <a:rPr lang="zh-TW" altLang="en-US" dirty="0" smtClean="0">
                 <a:latin typeface="微軟正黑體" panose="020B0604030504040204" pitchFamily="34" charset="-120"/>
                 <a:ea typeface="微軟正黑體" panose="020B0604030504040204" pitchFamily="34" charset="-120"/>
               </a:rPr>
-              <a:t>介紹基礎的</a:t>
+              <a:t>與</a:t>
             </a:r>
             <a:r>
               <a:rPr lang="en-US" altLang="zh-TW" dirty="0" smtClean="0">
                 <a:latin typeface="微軟正黑體" panose="020B0604030504040204" pitchFamily="34" charset="-120"/>
                 <a:ea typeface="微軟正黑體" panose="020B0604030504040204" pitchFamily="34" charset="-120"/>
               </a:rPr>
-              <a:t>HTML5</a:t>
-            </a:r>
+              <a:t>CSS</a:t>
+            </a:r>
+          </a:p>
+          <a:p>
+            <a:pPr marL="0" indent="0">
+              <a:buNone/>
+            </a:pPr>
             <a:r>
               <a:rPr lang="zh-TW" altLang="en-US" dirty="0" smtClean="0">
                 <a:latin typeface="微軟正黑體" panose="020B0604030504040204" pitchFamily="34" charset="-120"/>
                 <a:ea typeface="微軟正黑體" panose="020B0604030504040204" pitchFamily="34" charset="-120"/>
               </a:rPr>
-              <a:t>標籤以及</a:t>
+              <a:t>第四、五周：介紹</a:t>
             </a:r>
             <a:r>
               <a:rPr lang="en-US" altLang="zh-TW" dirty="0" smtClean="0">
                 <a:latin typeface="微軟正黑體" panose="020B0604030504040204" pitchFamily="34" charset="-120"/>
                 <a:ea typeface="微軟正黑體" panose="020B0604030504040204" pitchFamily="34" charset="-120"/>
               </a:rPr>
-              <a:t>Table</a:t>
+              <a:t>RWD</a:t>
             </a:r>
             <a:r>
               <a:rPr lang="zh-TW" altLang="en-US" dirty="0" smtClean="0">
                 <a:latin typeface="微軟正黑體" panose="020B0604030504040204" pitchFamily="34" charset="-120"/>
                 <a:ea typeface="微軟正黑體" panose="020B0604030504040204" pitchFamily="34" charset="-120"/>
               </a:rPr>
-              <a:t>與</a:t>
-            </a:r>
-            <a:r>
-              <a:rPr lang="en-US" altLang="zh-TW" dirty="0" smtClean="0">
-                <a:latin typeface="微軟正黑體" panose="020B0604030504040204" pitchFamily="34" charset="-120"/>
-                <a:ea typeface="微軟正黑體" panose="020B0604030504040204" pitchFamily="34" charset="-120"/>
-              </a:rPr>
-              <a:t>CSS</a:t>
+              <a:t>設計</a:t>
             </a:r>
             <a:endParaRPr lang="en-US" altLang="zh-TW" dirty="0" smtClean="0">
               <a:latin typeface="微軟正黑體" panose="020B0604030504040204" pitchFamily="34" charset="-120"/>
@@ -6671,7 +7092,33 @@
                 <a:latin typeface="微軟正黑體" panose="020B0604030504040204" pitchFamily="34" charset="-120"/>
                 <a:ea typeface="微軟正黑體" panose="020B0604030504040204" pitchFamily="34" charset="-120"/>
               </a:rPr>
-              <a:t>第四、五周</a:t>
+              <a:t>第六周：</a:t>
+            </a:r>
+            <a:r>
+              <a:rPr lang="en-US" altLang="zh-TW" dirty="0" err="1" smtClean="0">
+                <a:latin typeface="微軟正黑體" panose="020B0604030504040204" pitchFamily="34" charset="-120"/>
+                <a:ea typeface="微軟正黑體" panose="020B0604030504040204" pitchFamily="34" charset="-120"/>
+              </a:rPr>
+              <a:t>Javascript</a:t>
+            </a:r>
+            <a:r>
+              <a:rPr lang="en-US" altLang="zh-TW" dirty="0" smtClean="0">
+                <a:latin typeface="微軟正黑體" panose="020B0604030504040204" pitchFamily="34" charset="-120"/>
+                <a:ea typeface="微軟正黑體" panose="020B0604030504040204" pitchFamily="34" charset="-120"/>
+              </a:rPr>
+              <a:t> &amp; DOM</a:t>
+            </a:r>
+          </a:p>
+          <a:p>
+            <a:pPr marL="0" indent="0">
+              <a:buNone/>
+            </a:pPr>
+            <a:r>
+              <a:rPr lang="zh-TW" altLang="en-US" dirty="0">
+                <a:latin typeface="微軟正黑體" panose="020B0604030504040204" pitchFamily="34" charset="-120"/>
+                <a:ea typeface="微軟正黑體" panose="020B0604030504040204" pitchFamily="34" charset="-120"/>
+              </a:rPr>
+              <a:t>第七周</a:t>
             </a:r>
             <a:r>
               <a:rPr lang="zh-TW" altLang="en-US" dirty="0" smtClean="0">
@@ -6681,25 +7128,128 @@
               <a:t>：</a:t>
             </a:r>
             <a:r>
+              <a:rPr lang="en-US" altLang="zh-TW" dirty="0" smtClean="0">
+                <a:latin typeface="微軟正黑體" panose="020B0604030504040204" pitchFamily="34" charset="-120"/>
+                <a:ea typeface="微軟正黑體" panose="020B0604030504040204" pitchFamily="34" charset="-120"/>
+              </a:rPr>
+              <a:t>PHP</a:t>
+            </a:r>
+            <a:r>
               <a:rPr lang="zh-TW" altLang="en-US" dirty="0" smtClean="0">
                 <a:latin typeface="微軟正黑體" panose="020B0604030504040204" pitchFamily="34" charset="-120"/>
                 <a:ea typeface="微軟正黑體" panose="020B0604030504040204" pitchFamily="34" charset="-120"/>
               </a:rPr>
-              <a:t>介紹</a:t>
+              <a:t>、</a:t>
             </a:r>
             <a:r>
               <a:rPr lang="en-US" altLang="zh-TW" dirty="0" smtClean="0">
                 <a:latin typeface="微軟正黑體" panose="020B0604030504040204" pitchFamily="34" charset="-120"/>
                 <a:ea typeface="微軟正黑體" panose="020B0604030504040204" pitchFamily="34" charset="-120"/>
               </a:rPr>
-              <a:t>RWD</a:t>
+              <a:t>MYSQL</a:t>
             </a:r>
             <a:r>
               <a:rPr lang="zh-TW" altLang="en-US" dirty="0" smtClean="0">
                 <a:latin typeface="微軟正黑體" panose="020B0604030504040204" pitchFamily="34" charset="-120"/>
                 <a:ea typeface="微軟正黑體" panose="020B0604030504040204" pitchFamily="34" charset="-120"/>
               </a:rPr>
-              <a:t>設計</a:t>
+              <a:t>、</a:t>
+            </a:r>
+            <a:r>
+              <a:rPr lang="en-US" altLang="zh-TW" dirty="0" smtClean="0">
+                <a:latin typeface="微軟正黑體" panose="020B0604030504040204" pitchFamily="34" charset="-120"/>
+                <a:ea typeface="微軟正黑體" panose="020B0604030504040204" pitchFamily="34" charset="-120"/>
+              </a:rPr>
+              <a:t>form post/get</a:t>
+            </a:r>
+          </a:p>
+          <a:p>
+            <a:pPr marL="0" indent="0">
+              <a:buNone/>
+            </a:pPr>
+            <a:r>
+              <a:rPr lang="zh-TW" altLang="en-US" dirty="0">
+                <a:latin typeface="微軟正黑體" panose="020B0604030504040204" pitchFamily="34" charset="-120"/>
+                <a:ea typeface="微軟正黑體" panose="020B0604030504040204" pitchFamily="34" charset="-120"/>
+              </a:rPr>
+              <a:t>第八</a:t>
+            </a:r>
+            <a:r>
+              <a:rPr lang="zh-TW" altLang="en-US" dirty="0" smtClean="0">
+                <a:latin typeface="微軟正黑體" panose="020B0604030504040204" pitchFamily="34" charset="-120"/>
+                <a:ea typeface="微軟正黑體" panose="020B0604030504040204" pitchFamily="34" charset="-120"/>
+              </a:rPr>
+              <a:t>周：</a:t>
+            </a:r>
+            <a:r>
+              <a:rPr lang="en-US" altLang="zh-TW" dirty="0" smtClean="0">
+                <a:latin typeface="微軟正黑體" panose="020B0604030504040204" pitchFamily="34" charset="-120"/>
+                <a:ea typeface="微軟正黑體" panose="020B0604030504040204" pitchFamily="34" charset="-120"/>
+              </a:rPr>
+              <a:t>form post/get by Ajax </a:t>
+            </a:r>
+          </a:p>
+          <a:p>
+            <a:pPr marL="0" indent="0">
+              <a:buNone/>
+            </a:pPr>
+            <a:r>
+              <a:rPr lang="zh-TW" altLang="en-US" dirty="0" smtClean="0">
+                <a:solidFill>
+                  <a:srgbClr val="FFFF00"/>
+                </a:solidFill>
+                <a:latin typeface="微軟正黑體" panose="020B0604030504040204" pitchFamily="34" charset="-120"/>
+                <a:ea typeface="微軟正黑體" panose="020B0604030504040204" pitchFamily="34" charset="-120"/>
+              </a:rPr>
+              <a:t>第九周：期中</a:t>
+            </a:r>
+            <a:r>
+              <a:rPr lang="en-US" altLang="zh-TW" dirty="0" smtClean="0">
+                <a:solidFill>
+                  <a:srgbClr val="FFFF00"/>
+                </a:solidFill>
+                <a:latin typeface="微軟正黑體" panose="020B0604030504040204" pitchFamily="34" charset="-120"/>
+                <a:ea typeface="微軟正黑體" panose="020B0604030504040204" pitchFamily="34" charset="-120"/>
+              </a:rPr>
+              <a:t>DEMO</a:t>
+            </a:r>
+          </a:p>
+          <a:p>
+            <a:pPr marL="0" indent="0">
+              <a:buNone/>
+            </a:pPr>
+            <a:r>
+              <a:rPr lang="zh-TW" altLang="en-US" dirty="0" smtClean="0">
+                <a:latin typeface="微軟正黑體" panose="020B0604030504040204" pitchFamily="34" charset="-120"/>
+                <a:ea typeface="微軟正黑體" panose="020B0604030504040204" pitchFamily="34" charset="-120"/>
+              </a:rPr>
+              <a:t>第十、十一周：</a:t>
+            </a:r>
+            <a:r>
+              <a:rPr lang="en-US" altLang="zh-TW" dirty="0" smtClean="0">
+                <a:latin typeface="微軟正黑體" panose="020B0604030504040204" pitchFamily="34" charset="-120"/>
+                <a:ea typeface="微軟正黑體" panose="020B0604030504040204" pitchFamily="34" charset="-120"/>
+              </a:rPr>
+              <a:t>PHP &amp; AJAX</a:t>
+            </a:r>
+          </a:p>
+          <a:p>
+            <a:pPr marL="0" indent="0">
+              <a:buNone/>
+            </a:pPr>
+            <a:r>
+              <a:rPr lang="zh-TW" altLang="en-US" dirty="0" smtClean="0">
+                <a:latin typeface="微軟正黑體" panose="020B0604030504040204" pitchFamily="34" charset="-120"/>
+                <a:ea typeface="微軟正黑體" panose="020B0604030504040204" pitchFamily="34" charset="-120"/>
+              </a:rPr>
+              <a:t>第十二、十三周：</a:t>
+            </a:r>
+            <a:r>
+              <a:rPr lang="en-US" altLang="zh-TW" dirty="0">
+                <a:latin typeface="微軟正黑體" panose="020B0604030504040204" pitchFamily="34" charset="-120"/>
+                <a:ea typeface="微軟正黑體" panose="020B0604030504040204" pitchFamily="34" charset="-120"/>
+              </a:rPr>
+              <a:t> MYSQL</a:t>
             </a:r>
             <a:endParaRPr lang="en-US" altLang="zh-TW" dirty="0" smtClean="0">
               <a:latin typeface="微軟正黑體" panose="020B0604030504040204" pitchFamily="34" charset="-120"/>
@@ -6715,101 +7265,28 @@
                 <a:latin typeface="微軟正黑體" panose="020B0604030504040204" pitchFamily="34" charset="-120"/>
                 <a:ea typeface="微軟正黑體" panose="020B0604030504040204" pitchFamily="34" charset="-120"/>
               </a:rPr>
-              <a:t>第六周：</a:t>
+              <a:t>第十四、十五周：</a:t>
+            </a:r>
+            <a:r>
+              <a:rPr lang="en-US" altLang="zh-TW" dirty="0">
+                <a:latin typeface="微軟正黑體" panose="020B0604030504040204" pitchFamily="34" charset="-120"/>
+                <a:ea typeface="微軟正黑體" panose="020B0604030504040204" pitchFamily="34" charset="-120"/>
+              </a:rPr>
+              <a:t> Google firebase </a:t>
+            </a:r>
+            <a:r>
+              <a:rPr lang="en-US" altLang="zh-TW" dirty="0" smtClean="0">
+                <a:latin typeface="微軟正黑體" panose="020B0604030504040204" pitchFamily="34" charset="-120"/>
+                <a:ea typeface="微軟正黑體" panose="020B0604030504040204" pitchFamily="34" charset="-120"/>
+              </a:rPr>
+              <a:t>– </a:t>
             </a:r>
             <a:r>
               <a:rPr lang="en-US" altLang="zh-TW" dirty="0" err="1" smtClean="0">
                 <a:latin typeface="微軟正黑體" panose="020B0604030504040204" pitchFamily="34" charset="-120"/>
                 <a:ea typeface="微軟正黑體" panose="020B0604030504040204" pitchFamily="34" charset="-120"/>
               </a:rPr>
-              <a:t>Javascript</a:t>
-            </a:r>
-            <a:r>
-              <a:rPr lang="en-US" altLang="zh-TW" dirty="0" smtClean="0">
-                <a:latin typeface="微軟正黑體" panose="020B0604030504040204" pitchFamily="34" charset="-120"/>
-                <a:ea typeface="微軟正黑體" panose="020B0604030504040204" pitchFamily="34" charset="-120"/>
-              </a:rPr>
-              <a:t> &amp; DOM</a:t>
-            </a:r>
-          </a:p>
-          <a:p>
-            <a:pPr marL="0" indent="0">
-              <a:buNone/>
-            </a:pPr>
-            <a:r>
-              <a:rPr lang="zh-TW" altLang="en-US" dirty="0">
-                <a:latin typeface="微軟正黑體" panose="020B0604030504040204" pitchFamily="34" charset="-120"/>
-                <a:ea typeface="微軟正黑體" panose="020B0604030504040204" pitchFamily="34" charset="-120"/>
-              </a:rPr>
-              <a:t>第七周</a:t>
-            </a:r>
-            <a:r>
-              <a:rPr lang="zh-TW" altLang="en-US" dirty="0" smtClean="0">
-                <a:latin typeface="微軟正黑體" panose="020B0604030504040204" pitchFamily="34" charset="-120"/>
-                <a:ea typeface="微軟正黑體" panose="020B0604030504040204" pitchFamily="34" charset="-120"/>
-              </a:rPr>
-              <a:t>：</a:t>
-            </a:r>
-            <a:r>
-              <a:rPr lang="en-US" altLang="zh-TW" dirty="0" smtClean="0">
-                <a:latin typeface="微軟正黑體" panose="020B0604030504040204" pitchFamily="34" charset="-120"/>
-                <a:ea typeface="微軟正黑體" panose="020B0604030504040204" pitchFamily="34" charset="-120"/>
-              </a:rPr>
-              <a:t>PHP</a:t>
-            </a:r>
-            <a:r>
-              <a:rPr lang="zh-TW" altLang="en-US" dirty="0" smtClean="0">
-                <a:latin typeface="微軟正黑體" panose="020B0604030504040204" pitchFamily="34" charset="-120"/>
-                <a:ea typeface="微軟正黑體" panose="020B0604030504040204" pitchFamily="34" charset="-120"/>
-              </a:rPr>
-              <a:t>、</a:t>
-            </a:r>
-            <a:r>
-              <a:rPr lang="en-US" altLang="zh-TW" dirty="0" smtClean="0">
-                <a:latin typeface="微軟正黑體" panose="020B0604030504040204" pitchFamily="34" charset="-120"/>
-                <a:ea typeface="微軟正黑體" panose="020B0604030504040204" pitchFamily="34" charset="-120"/>
-              </a:rPr>
-              <a:t>MYSQL</a:t>
-            </a:r>
-            <a:r>
-              <a:rPr lang="zh-TW" altLang="en-US" dirty="0" smtClean="0">
-                <a:latin typeface="微軟正黑體" panose="020B0604030504040204" pitchFamily="34" charset="-120"/>
-                <a:ea typeface="微軟正黑體" panose="020B0604030504040204" pitchFamily="34" charset="-120"/>
-              </a:rPr>
-              <a:t>、</a:t>
-            </a:r>
-            <a:r>
-              <a:rPr lang="en-US" altLang="zh-TW" dirty="0" smtClean="0">
-                <a:latin typeface="微軟正黑體" panose="020B0604030504040204" pitchFamily="34" charset="-120"/>
-                <a:ea typeface="微軟正黑體" panose="020B0604030504040204" pitchFamily="34" charset="-120"/>
-              </a:rPr>
-              <a:t>form post/get</a:t>
-            </a:r>
-          </a:p>
-          <a:p>
-            <a:pPr marL="0" indent="0">
-              <a:buNone/>
-            </a:pPr>
-            <a:r>
-              <a:rPr lang="zh-TW" altLang="en-US" dirty="0">
-                <a:latin typeface="微軟正黑體" panose="020B0604030504040204" pitchFamily="34" charset="-120"/>
-                <a:ea typeface="微軟正黑體" panose="020B0604030504040204" pitchFamily="34" charset="-120"/>
-              </a:rPr>
-              <a:t>第八</a:t>
-            </a:r>
-            <a:r>
-              <a:rPr lang="zh-TW" altLang="en-US" dirty="0" smtClean="0">
-                <a:latin typeface="微軟正黑體" panose="020B0604030504040204" pitchFamily="34" charset="-120"/>
-                <a:ea typeface="微軟正黑體" panose="020B0604030504040204" pitchFamily="34" charset="-120"/>
-              </a:rPr>
-              <a:t>周：</a:t>
-            </a:r>
-            <a:r>
-              <a:rPr lang="en-US" altLang="zh-TW" dirty="0" smtClean="0">
-                <a:latin typeface="微軟正黑體" panose="020B0604030504040204" pitchFamily="34" charset="-120"/>
-                <a:ea typeface="微軟正黑體" panose="020B0604030504040204" pitchFamily="34" charset="-120"/>
-              </a:rPr>
-              <a:t>form post/get by Ajax </a:t>
+              <a:t>NoSql</a:t>
             </a:r>
             <a:endParaRPr lang="en-US" altLang="zh-TW" dirty="0" smtClean="0">
               <a:latin typeface="微軟正黑體" panose="020B0604030504040204" pitchFamily="34" charset="-120"/>
@@ -6822,203 +7299,39 @@
             </a:pPr>
             <a:r>
               <a:rPr lang="zh-TW" altLang="en-US" dirty="0" smtClean="0">
-                <a:solidFill>
-                  <a:srgbClr val="FFFF00"/>
-                </a:solidFill>
-                <a:latin typeface="微軟正黑體" panose="020B0604030504040204" pitchFamily="34" charset="-120"/>
-                <a:ea typeface="微軟正黑體" panose="020B0604030504040204" pitchFamily="34" charset="-120"/>
-              </a:rPr>
-              <a:t>第九周：</a:t>
+                <a:latin typeface="微軟正黑體" panose="020B0604030504040204" pitchFamily="34" charset="-120"/>
+                <a:ea typeface="微軟正黑體" panose="020B0604030504040204" pitchFamily="34" charset="-120"/>
+              </a:rPr>
+              <a:t>第十六、十七周：</a:t>
+            </a:r>
+            <a:r>
+              <a:rPr lang="en-US" altLang="zh-TW" dirty="0" err="1" smtClean="0">
+                <a:latin typeface="微軟正黑體" panose="020B0604030504040204" pitchFamily="34" charset="-120"/>
+                <a:ea typeface="微軟正黑體" panose="020B0604030504040204" pitchFamily="34" charset="-120"/>
+              </a:rPr>
+              <a:t>Github</a:t>
+            </a:r>
+            <a:r>
+              <a:rPr lang="en-US" altLang="zh-TW" dirty="0" smtClean="0">
+                <a:latin typeface="微軟正黑體" panose="020B0604030504040204" pitchFamily="34" charset="-120"/>
+                <a:ea typeface="微軟正黑體" panose="020B0604030504040204" pitchFamily="34" charset="-120"/>
+              </a:rPr>
+              <a:t> + https</a:t>
             </a:r>
             <a:r>
               <a:rPr lang="zh-TW" altLang="en-US" dirty="0" smtClean="0">
-                <a:solidFill>
-                  <a:srgbClr val="FFFF00"/>
-                </a:solidFill>
-                <a:latin typeface="微軟正黑體" panose="020B0604030504040204" pitchFamily="34" charset="-120"/>
-                <a:ea typeface="微軟正黑體" panose="020B0604030504040204" pitchFamily="34" charset="-120"/>
-              </a:rPr>
-              <a:t>期中</a:t>
+                <a:latin typeface="微軟正黑體" panose="020B0604030504040204" pitchFamily="34" charset="-120"/>
+                <a:ea typeface="微軟正黑體" panose="020B0604030504040204" pitchFamily="34" charset="-120"/>
+              </a:rPr>
+              <a:t>、進階</a:t>
             </a:r>
             <a:r>
               <a:rPr lang="en-US" altLang="zh-TW" dirty="0" smtClean="0">
-                <a:solidFill>
-                  <a:srgbClr val="FFFF00"/>
-                </a:solidFill>
-                <a:latin typeface="微軟正黑體" panose="020B0604030504040204" pitchFamily="34" charset="-120"/>
-                <a:ea typeface="微軟正黑體" panose="020B0604030504040204" pitchFamily="34" charset="-120"/>
-              </a:rPr>
-              <a:t>DEMO</a:t>
-            </a:r>
-            <a:endParaRPr lang="en-US" altLang="zh-TW" dirty="0" smtClean="0">
-              <a:solidFill>
-                <a:srgbClr val="FFFF00"/>
-              </a:solidFill>
-              <a:latin typeface="微軟正黑體" panose="020B0604030504040204" pitchFamily="34" charset="-120"/>
-              <a:ea typeface="微軟正黑體" panose="020B0604030504040204" pitchFamily="34" charset="-120"/>
-            </a:endParaRPr>
-          </a:p>
-          <a:p>
-            <a:pPr marL="0" indent="0">
-              <a:buNone/>
-            </a:pPr>
-            <a:r>
-              <a:rPr lang="zh-TW" altLang="en-US" dirty="0" smtClean="0">
-                <a:latin typeface="微軟正黑體" panose="020B0604030504040204" pitchFamily="34" charset="-120"/>
-                <a:ea typeface="微軟正黑體" panose="020B0604030504040204" pitchFamily="34" charset="-120"/>
-              </a:rPr>
-              <a:t>第十、十一周</a:t>
-            </a:r>
-            <a:r>
-              <a:rPr lang="zh-TW" altLang="en-US" dirty="0" smtClean="0">
-                <a:latin typeface="微軟正黑體" panose="020B0604030504040204" pitchFamily="34" charset="-120"/>
-                <a:ea typeface="微軟正黑體" panose="020B0604030504040204" pitchFamily="34" charset="-120"/>
-              </a:rPr>
-              <a:t>：</a:t>
-            </a:r>
-            <a:r>
-              <a:rPr lang="en-US" altLang="zh-TW" dirty="0" smtClean="0">
-                <a:latin typeface="微軟正黑體" panose="020B0604030504040204" pitchFamily="34" charset="-120"/>
-                <a:ea typeface="微軟正黑體" panose="020B0604030504040204" pitchFamily="34" charset="-120"/>
-              </a:rPr>
-              <a:t>PHP &amp; AJAX</a:t>
-            </a:r>
-            <a:endParaRPr lang="en-US" altLang="zh-TW" dirty="0" smtClean="0">
-              <a:latin typeface="微軟正黑體" panose="020B0604030504040204" pitchFamily="34" charset="-120"/>
-              <a:ea typeface="微軟正黑體" panose="020B0604030504040204" pitchFamily="34" charset="-120"/>
-            </a:endParaRPr>
-          </a:p>
-          <a:p>
-            <a:pPr marL="0" indent="0">
-              <a:buNone/>
-            </a:pPr>
-            <a:r>
-              <a:rPr lang="zh-TW" altLang="en-US" dirty="0" smtClean="0">
-                <a:latin typeface="微軟正黑體" panose="020B0604030504040204" pitchFamily="34" charset="-120"/>
-                <a:ea typeface="微軟正黑體" panose="020B0604030504040204" pitchFamily="34" charset="-120"/>
-              </a:rPr>
-              <a:t>第十二、十三周</a:t>
-            </a:r>
-            <a:r>
-              <a:rPr lang="zh-TW" altLang="en-US" dirty="0" smtClean="0">
-                <a:latin typeface="微軟正黑體" panose="020B0604030504040204" pitchFamily="34" charset="-120"/>
-                <a:ea typeface="微軟正黑體" panose="020B0604030504040204" pitchFamily="34" charset="-120"/>
-              </a:rPr>
-              <a:t>：</a:t>
-            </a:r>
-            <a:r>
-              <a:rPr lang="en-US" altLang="zh-TW" dirty="0">
-                <a:latin typeface="微軟正黑體" panose="020B0604030504040204" pitchFamily="34" charset="-120"/>
-                <a:ea typeface="微軟正黑體" panose="020B0604030504040204" pitchFamily="34" charset="-120"/>
-              </a:rPr>
-              <a:t> MYSQL</a:t>
-            </a:r>
-            <a:endParaRPr lang="en-US" altLang="zh-TW" dirty="0" smtClean="0">
-              <a:latin typeface="微軟正黑體" panose="020B0604030504040204" pitchFamily="34" charset="-120"/>
-              <a:ea typeface="微軟正黑體" panose="020B0604030504040204" pitchFamily="34" charset="-120"/>
-            </a:endParaRPr>
-          </a:p>
-          <a:p>
-            <a:pPr marL="0" indent="0">
-              <a:buNone/>
-            </a:pPr>
-            <a:r>
-              <a:rPr lang="zh-TW" altLang="en-US" dirty="0" smtClean="0">
-                <a:latin typeface="微軟正黑體" panose="020B0604030504040204" pitchFamily="34" charset="-120"/>
-                <a:ea typeface="微軟正黑體" panose="020B0604030504040204" pitchFamily="34" charset="-120"/>
-              </a:rPr>
-              <a:t>第十四、十五周</a:t>
-            </a:r>
-            <a:r>
-              <a:rPr lang="zh-TW" altLang="en-US" dirty="0" smtClean="0">
-                <a:latin typeface="微軟正黑體" panose="020B0604030504040204" pitchFamily="34" charset="-120"/>
-                <a:ea typeface="微軟正黑體" panose="020B0604030504040204" pitchFamily="34" charset="-120"/>
-              </a:rPr>
-              <a:t>：</a:t>
-            </a:r>
-            <a:r>
-              <a:rPr lang="en-US" altLang="zh-TW" dirty="0">
-                <a:latin typeface="微軟正黑體" panose="020B0604030504040204" pitchFamily="34" charset="-120"/>
-                <a:ea typeface="微軟正黑體" panose="020B0604030504040204" pitchFamily="34" charset="-120"/>
-              </a:rPr>
-              <a:t> Google firebase </a:t>
-            </a:r>
-            <a:r>
-              <a:rPr lang="en-US" altLang="zh-TW" dirty="0" smtClean="0">
-                <a:latin typeface="微軟正黑體" panose="020B0604030504040204" pitchFamily="34" charset="-120"/>
-                <a:ea typeface="微軟正黑體" panose="020B0604030504040204" pitchFamily="34" charset="-120"/>
-              </a:rPr>
-              <a:t>– </a:t>
-            </a:r>
-            <a:r>
-              <a:rPr lang="en-US" altLang="zh-TW" dirty="0" err="1" smtClean="0">
-                <a:latin typeface="微軟正黑體" panose="020B0604030504040204" pitchFamily="34" charset="-120"/>
-                <a:ea typeface="微軟正黑體" panose="020B0604030504040204" pitchFamily="34" charset="-120"/>
-              </a:rPr>
-              <a:t>NoSql</a:t>
-            </a:r>
-            <a:endParaRPr lang="en-US" altLang="zh-TW" dirty="0" smtClean="0">
-              <a:latin typeface="微軟正黑體" panose="020B0604030504040204" pitchFamily="34" charset="-120"/>
-              <a:ea typeface="微軟正黑體" panose="020B0604030504040204" pitchFamily="34" charset="-120"/>
-            </a:endParaRPr>
-          </a:p>
-          <a:p>
-            <a:pPr marL="0" indent="0">
-              <a:buNone/>
-            </a:pPr>
-            <a:r>
-              <a:rPr lang="zh-TW" altLang="en-US" dirty="0" smtClean="0">
-                <a:latin typeface="微軟正黑體" panose="020B0604030504040204" pitchFamily="34" charset="-120"/>
-                <a:ea typeface="微軟正黑體" panose="020B0604030504040204" pitchFamily="34" charset="-120"/>
-              </a:rPr>
-              <a:t>第十六</a:t>
-            </a:r>
-            <a:r>
-              <a:rPr lang="zh-TW" altLang="en-US" dirty="0" smtClean="0">
-                <a:latin typeface="微軟正黑體" panose="020B0604030504040204" pitchFamily="34" charset="-120"/>
-                <a:ea typeface="微軟正黑體" panose="020B0604030504040204" pitchFamily="34" charset="-120"/>
-              </a:rPr>
-              <a:t>、十七周</a:t>
-            </a:r>
-            <a:r>
-              <a:rPr lang="zh-TW" altLang="en-US" dirty="0" smtClean="0">
-                <a:latin typeface="微軟正黑體" panose="020B0604030504040204" pitchFamily="34" charset="-120"/>
-                <a:ea typeface="微軟正黑體" panose="020B0604030504040204" pitchFamily="34" charset="-120"/>
-              </a:rPr>
-              <a:t>：</a:t>
-            </a:r>
-            <a:r>
-              <a:rPr lang="en-US" altLang="zh-TW" dirty="0" err="1" smtClean="0">
-                <a:latin typeface="微軟正黑體" panose="020B0604030504040204" pitchFamily="34" charset="-120"/>
-                <a:ea typeface="微軟正黑體" panose="020B0604030504040204" pitchFamily="34" charset="-120"/>
-              </a:rPr>
-              <a:t>Github</a:t>
-            </a:r>
-            <a:r>
-              <a:rPr lang="en-US" altLang="zh-TW" dirty="0" smtClean="0">
-                <a:latin typeface="微軟正黑體" panose="020B0604030504040204" pitchFamily="34" charset="-120"/>
-                <a:ea typeface="微軟正黑體" panose="020B0604030504040204" pitchFamily="34" charset="-120"/>
-              </a:rPr>
-              <a:t> + https</a:t>
-            </a:r>
-            <a:r>
-              <a:rPr lang="zh-TW" altLang="en-US" dirty="0" smtClean="0">
-                <a:latin typeface="微軟正黑體" panose="020B0604030504040204" pitchFamily="34" charset="-120"/>
-                <a:ea typeface="微軟正黑體" panose="020B0604030504040204" pitchFamily="34" charset="-120"/>
-              </a:rPr>
-              <a:t>、進階</a:t>
-            </a:r>
-            <a:r>
-              <a:rPr lang="en-US" altLang="zh-TW" dirty="0" smtClean="0">
                 <a:latin typeface="微軟正黑體" panose="020B0604030504040204" pitchFamily="34" charset="-120"/>
                 <a:ea typeface="微軟正黑體" panose="020B0604030504040204" pitchFamily="34" charset="-120"/>
               </a:rPr>
               <a:t>MYSQL</a:t>
             </a:r>
-            <a:endParaRPr lang="en-US" altLang="zh-TW" dirty="0" smtClean="0">
-              <a:latin typeface="微軟正黑體" panose="020B0604030504040204" pitchFamily="34" charset="-120"/>
-              <a:ea typeface="微軟正黑體" panose="020B0604030504040204" pitchFamily="34" charset="-120"/>
-            </a:endParaRPr>
           </a:p>
           <a:p>
             <a:pPr marL="0" indent="0">
@@ -7051,6 +7364,29 @@
               <a:latin typeface="微軟正黑體" panose="020B0604030504040204" pitchFamily="34" charset="-120"/>
               <a:ea typeface="微軟正黑體" panose="020B0604030504040204" pitchFamily="34" charset="-120"/>
             </a:endParaRPr>
+          </a:p>
+        </p:txBody>
+      </p:sp>
+      <p:sp>
+        <p:nvSpPr>
+          <p:cNvPr id="5" name="投影片編號版面配置區 4"/>
+          <p:cNvSpPr>
+            <a:spLocks noGrp="1"/>
+          </p:cNvSpPr>
+          <p:nvPr>
+            <p:ph type="sldNum" sz="quarter" idx="12"/>
+          </p:nvPr>
+        </p:nvSpPr>
+        <p:spPr/>
+        <p:txBody>
+          <a:bodyPr/>
+          <a:lstStyle/>
+          <a:p>
+            <a:fld id="{5444367F-F3AE-4765-8E0E-2FA8436AFA7E}" type="slidenum">
+              <a:rPr lang="zh-TW" altLang="en-US" smtClean="0"/>
+              <a:t>3</a:t>
+            </a:fld>
+            <a:endParaRPr lang="zh-TW" altLang="en-US"/>
           </a:p>
         </p:txBody>
       </p:sp>
@@ -7658,6 +7994,29 @@
           </a:p>
         </p:txBody>
       </p:sp>
+      <p:sp>
+        <p:nvSpPr>
+          <p:cNvPr id="3" name="投影片編號版面配置區 2"/>
+          <p:cNvSpPr>
+            <a:spLocks noGrp="1"/>
+          </p:cNvSpPr>
+          <p:nvPr>
+            <p:ph type="sldNum" sz="quarter" idx="12"/>
+          </p:nvPr>
+        </p:nvSpPr>
+        <p:spPr/>
+        <p:txBody>
+          <a:bodyPr/>
+          <a:lstStyle/>
+          <a:p>
+            <a:fld id="{5444367F-F3AE-4765-8E0E-2FA8436AFA7E}" type="slidenum">
+              <a:rPr lang="zh-TW" altLang="en-US" smtClean="0"/>
+              <a:t>4</a:t>
+            </a:fld>
+            <a:endParaRPr lang="zh-TW" altLang="en-US"/>
+          </a:p>
+        </p:txBody>
+      </p:sp>
     </p:spTree>
     <p:extLst>
       <p:ext uri="{BB962C8B-B14F-4D97-AF65-F5344CB8AC3E}">
@@ -7798,10 +8157,6 @@
               </a:rPr>
               <a:t>?</a:t>
             </a:r>
-            <a:endParaRPr lang="en-US" altLang="zh-TW" sz="1800" dirty="0" smtClean="0">
-              <a:latin typeface="微軟正黑體" panose="020B0604030504040204" pitchFamily="34" charset="-120"/>
-              <a:ea typeface="微軟正黑體" panose="020B0604030504040204" pitchFamily="34" charset="-120"/>
-            </a:endParaRPr>
           </a:p>
           <a:p>
             <a:r>
@@ -7845,10 +8200,6 @@
               </a:rPr>
               <a:t>JavaScript/Ajax</a:t>
             </a:r>
-            <a:endParaRPr lang="en-US" altLang="zh-TW" sz="1800" dirty="0" smtClean="0">
-              <a:latin typeface="微軟正黑體" panose="020B0604030504040204" pitchFamily="34" charset="-120"/>
-              <a:ea typeface="微軟正黑體" panose="020B0604030504040204" pitchFamily="34" charset="-120"/>
-            </a:endParaRPr>
           </a:p>
           <a:p>
             <a:pPr lvl="1"/>
@@ -7918,6 +8269,29 @@
           </a:extLst>
         </p:spPr>
       </p:pic>
+      <p:sp>
+        <p:nvSpPr>
+          <p:cNvPr id="5" name="投影片編號版面配置區 4"/>
+          <p:cNvSpPr>
+            <a:spLocks noGrp="1"/>
+          </p:cNvSpPr>
+          <p:nvPr>
+            <p:ph type="sldNum" sz="quarter" idx="12"/>
+          </p:nvPr>
+        </p:nvSpPr>
+        <p:spPr/>
+        <p:txBody>
+          <a:bodyPr/>
+          <a:lstStyle/>
+          <a:p>
+            <a:fld id="{5444367F-F3AE-4765-8E0E-2FA8436AFA7E}" type="slidenum">
+              <a:rPr lang="zh-TW" altLang="en-US" smtClean="0"/>
+              <a:t>5</a:t>
+            </a:fld>
+            <a:endParaRPr lang="zh-TW" altLang="en-US"/>
+          </a:p>
+        </p:txBody>
+      </p:sp>
     </p:spTree>
     <p:extLst>
       <p:ext uri="{BB962C8B-B14F-4D97-AF65-F5344CB8AC3E}">
@@ -8331,6 +8705,29 @@
           </p:spPr>
         </p:pic>
       </p:grpSp>
+      <p:sp>
+        <p:nvSpPr>
+          <p:cNvPr id="6" name="投影片編號版面配置區 5"/>
+          <p:cNvSpPr>
+            <a:spLocks noGrp="1"/>
+          </p:cNvSpPr>
+          <p:nvPr>
+            <p:ph type="sldNum" sz="quarter" idx="12"/>
+          </p:nvPr>
+        </p:nvSpPr>
+        <p:spPr/>
+        <p:txBody>
+          <a:bodyPr/>
+          <a:lstStyle/>
+          <a:p>
+            <a:fld id="{5444367F-F3AE-4765-8E0E-2FA8436AFA7E}" type="slidenum">
+              <a:rPr lang="zh-TW" altLang="en-US" smtClean="0"/>
+              <a:t>6</a:t>
+            </a:fld>
+            <a:endParaRPr lang="zh-TW" altLang="en-US"/>
+          </a:p>
+        </p:txBody>
+      </p:sp>
     </p:spTree>
     <p:extLst>
       <p:ext uri="{BB962C8B-B14F-4D97-AF65-F5344CB8AC3E}">
@@ -9482,10 +9879,6 @@
               </a:rPr>
               <a:t>JS/Ajax</a:t>
             </a:r>
-            <a:endParaRPr lang="en-US" altLang="zh-TW" sz="1200" dirty="0" smtClean="0">
-              <a:latin typeface="微軟正黑體" panose="020B0604030504040204" pitchFamily="34" charset="-120"/>
-              <a:ea typeface="微軟正黑體" panose="020B0604030504040204" pitchFamily="34" charset="-120"/>
-            </a:endParaRPr>
           </a:p>
         </p:txBody>
       </p:sp>
@@ -9617,10 +10010,6 @@
               </a:rPr>
               <a:t>JS/Ajax</a:t>
             </a:r>
-            <a:endParaRPr lang="en-US" altLang="zh-TW" sz="1200" dirty="0" smtClean="0">
-              <a:latin typeface="微軟正黑體" panose="020B0604030504040204" pitchFamily="34" charset="-120"/>
-              <a:ea typeface="微軟正黑體" panose="020B0604030504040204" pitchFamily="34" charset="-120"/>
-            </a:endParaRPr>
           </a:p>
           <a:p>
             <a:pPr marL="742950" lvl="1" indent="-285750">
@@ -9709,6 +10098,29 @@
               </a:rPr>
               <a:t>稿</a:t>
             </a:r>
+          </a:p>
+        </p:txBody>
+      </p:sp>
+      <p:sp>
+        <p:nvSpPr>
+          <p:cNvPr id="7" name="投影片編號版面配置區 6"/>
+          <p:cNvSpPr>
+            <a:spLocks noGrp="1"/>
+          </p:cNvSpPr>
+          <p:nvPr>
+            <p:ph type="sldNum" sz="quarter" idx="12"/>
+          </p:nvPr>
+        </p:nvSpPr>
+        <p:spPr/>
+        <p:txBody>
+          <a:bodyPr/>
+          <a:lstStyle/>
+          <a:p>
+            <a:fld id="{5444367F-F3AE-4765-8E0E-2FA8436AFA7E}" type="slidenum">
+              <a:rPr lang="zh-TW" altLang="en-US" smtClean="0"/>
+              <a:t>7</a:t>
+            </a:fld>
+            <a:endParaRPr lang="zh-TW" altLang="en-US"/>
           </a:p>
         </p:txBody>
       </p:sp>
@@ -9895,6 +10307,29 @@
           </a:prstGeom>
         </p:spPr>
       </p:pic>
+      <p:sp>
+        <p:nvSpPr>
+          <p:cNvPr id="5" name="投影片編號版面配置區 4"/>
+          <p:cNvSpPr>
+            <a:spLocks noGrp="1"/>
+          </p:cNvSpPr>
+          <p:nvPr>
+            <p:ph type="sldNum" sz="quarter" idx="12"/>
+          </p:nvPr>
+        </p:nvSpPr>
+        <p:spPr/>
+        <p:txBody>
+          <a:bodyPr/>
+          <a:lstStyle/>
+          <a:p>
+            <a:fld id="{5444367F-F3AE-4765-8E0E-2FA8436AFA7E}" type="slidenum">
+              <a:rPr lang="zh-TW" altLang="en-US" smtClean="0"/>
+              <a:t>8</a:t>
+            </a:fld>
+            <a:endParaRPr lang="zh-TW" altLang="en-US"/>
+          </a:p>
+        </p:txBody>
+      </p:sp>
     </p:spTree>
     <p:extLst>
       <p:ext uri="{BB962C8B-B14F-4D97-AF65-F5344CB8AC3E}">
@@ -10097,6 +10532,29 @@
           </a:prstGeom>
         </p:spPr>
       </p:pic>
+      <p:sp>
+        <p:nvSpPr>
+          <p:cNvPr id="5" name="投影片編號版面配置區 4"/>
+          <p:cNvSpPr>
+            <a:spLocks noGrp="1"/>
+          </p:cNvSpPr>
+          <p:nvPr>
+            <p:ph type="sldNum" sz="quarter" idx="12"/>
+          </p:nvPr>
+        </p:nvSpPr>
+        <p:spPr/>
+        <p:txBody>
+          <a:bodyPr/>
+          <a:lstStyle/>
+          <a:p>
+            <a:fld id="{5444367F-F3AE-4765-8E0E-2FA8436AFA7E}" type="slidenum">
+              <a:rPr lang="zh-TW" altLang="en-US" smtClean="0"/>
+              <a:t>9</a:t>
+            </a:fld>
+            <a:endParaRPr lang="zh-TW" altLang="en-US"/>
+          </a:p>
+        </p:txBody>
+      </p:sp>
     </p:spTree>
     <p:extLst>
       <p:ext uri="{BB962C8B-B14F-4D97-AF65-F5344CB8AC3E}">
@@ -10360,7 +10818,268 @@
   <a:extraClrSchemeLst/>
   <a:extLst>
     <a:ext uri="{05A4C25C-085E-4340-85A3-A5531E510DB2}">
-      <thm15:themeFamily xmlns:thm15="http://schemas.microsoft.com/office/thememl/2012/main" xmlns="" name="Celestial" id="{C4BB2A3D-0E93-4C5F-B0D2-9D3FCE089CC5}" vid="{61DDDE80-2DFA-4F2A-B66F-72059846BDAA}"/>
+      <thm15:themeFamily xmlns:thm15="http://schemas.microsoft.com/office/thememl/2012/main" name="Celestial" id="{C4BB2A3D-0E93-4C5F-B0D2-9D3FCE089CC5}" vid="{61DDDE80-2DFA-4F2A-B66F-72059846BDAA}"/>
+    </a:ext>
+  </a:extLst>
+</a:theme>
+</file>
+
+<file path=ppt/theme/theme2.xml><?xml version="1.0" encoding="utf-8"?>
+<a:theme xmlns:a="http://schemas.openxmlformats.org/drawingml/2006/main" name="Office 佈景主題">
+  <a:themeElements>
+    <a:clrScheme name="Office">
+      <a:dk1>
+        <a:sysClr val="windowText" lastClr="000000"/>
+      </a:dk1>
+      <a:lt1>
+        <a:sysClr val="window" lastClr="FFFFFF"/>
+      </a:lt1>
+      <a:dk2>
+        <a:srgbClr val="44546A"/>
+      </a:dk2>
+      <a:lt2>
+        <a:srgbClr val="E7E6E6"/>
+      </a:lt2>
+      <a:accent1>
+        <a:srgbClr val="5B9BD5"/>
+      </a:accent1>
+      <a:accent2>
+        <a:srgbClr val="ED7D31"/>
+      </a:accent2>
+      <a:accent3>
+        <a:srgbClr val="A5A5A5"/>
+      </a:accent3>
+      <a:accent4>
+        <a:srgbClr val="FFC000"/>
+      </a:accent4>
+      <a:accent5>
+        <a:srgbClr val="4472C4"/>
+      </a:accent5>
+      <a:accent6>
+        <a:srgbClr val="70AD47"/>
+      </a:accent6>
+      <a:hlink>
+        <a:srgbClr val="0563C1"/>
+      </a:hlink>
+      <a:folHlink>
+        <a:srgbClr val="954F72"/>
+      </a:folHlink>
+    </a:clrScheme>
+    <a:fontScheme name="Office">
+      <a:majorFont>
+        <a:latin typeface="Calibri Light" panose="020F0302020204030204"/>
+        <a:ea typeface=""/>
+        <a:cs typeface=""/>
+        <a:font script="Jpan" typeface="游ゴシック Light"/>
+        <a:font script="Hang" typeface="맑은 고딕"/>
+        <a:font script="Hans" typeface="等线 Light"/>
+        <a:font script="Hant" typeface="新細明體"/>
+        <a:font script="Arab" typeface="Times New Roman"/>
+        <a:font script="Hebr" typeface="Times New Roman"/>
+        <a:font script="Thai" typeface="Angsana New"/>
+        <a:font script="Ethi" typeface="Nyala"/>
+        <a:font script="Beng" typeface="Vrinda"/>
+        <a:font script="Gujr" typeface="Shruti"/>
+        <a:font script="Khmr" typeface="MoolBoran"/>
+        <a:font script="Knda" typeface="Tunga"/>
+        <a:font script="Guru" typeface="Raavi"/>
+        <a:font script="Cans" typeface="Euphemia"/>
+        <a:font script="Cher" typeface="Plantagenet Cherokee"/>
+        <a:font script="Yiii" typeface="Microsoft Yi Baiti"/>
+        <a:font script="Tibt" typeface="Microsoft Himalaya"/>
+        <a:font script="Thaa" typeface="MV Boli"/>
+        <a:font script="Deva" typeface="Mangal"/>
+        <a:font script="Telu" typeface="Gautami"/>
+        <a:font script="Taml" typeface="Latha"/>
+        <a:font script="Syrc" typeface="Estrangelo Edessa"/>
+        <a:font script="Orya" typeface="Kalinga"/>
+        <a:font script="Mlym" typeface="Kartika"/>
+        <a:font script="Laoo" typeface="DokChampa"/>
+        <a:font script="Sinh" typeface="Iskoola Pota"/>
+        <a:font script="Mong" typeface="Mongolian Baiti"/>
+        <a:font script="Viet" typeface="Times New Roman"/>
+        <a:font script="Uigh" typeface="Microsoft Uighur"/>
+        <a:font script="Geor" typeface="Sylfaen"/>
+      </a:majorFont>
+      <a:minorFont>
+        <a:latin typeface="Calibri" panose="020F0502020204030204"/>
+        <a:ea typeface=""/>
+        <a:cs typeface=""/>
+        <a:font script="Jpan" typeface="游ゴシック"/>
+        <a:font script="Hang" typeface="맑은 고딕"/>
+        <a:font script="Hans" typeface="等线"/>
+        <a:font script="Hant" typeface="新細明體"/>
+        <a:font script="Arab" typeface="Arial"/>
+        <a:font script="Hebr" typeface="Arial"/>
+        <a:font script="Thai" typeface="Cordia New"/>
+        <a:font script="Ethi" typeface="Nyala"/>
+        <a:font script="Beng" typeface="Vrinda"/>
+        <a:font script="Gujr" typeface="Shruti"/>
+        <a:font script="Khmr" typeface="DaunPenh"/>
+        <a:font script="Knda" typeface="Tunga"/>
+        <a:font script="Guru" typeface="Raavi"/>
+        <a:font script="Cans" typeface="Euphemia"/>
+        <a:font script="Cher" typeface="Plantagenet Cherokee"/>
+        <a:font script="Yiii" typeface="Microsoft Yi Baiti"/>
+        <a:font script="Tibt" typeface="Microsoft Himalaya"/>
+        <a:font script="Thaa" typeface="MV Boli"/>
+        <a:font script="Deva" typeface="Mangal"/>
+        <a:font script="Telu" typeface="Gautami"/>
+        <a:font script="Taml" typeface="Latha"/>
+        <a:font script="Syrc" typeface="Estrangelo Edessa"/>
+        <a:font script="Orya" typeface="Kalinga"/>
+        <a:font script="Mlym" typeface="Kartika"/>
+        <a:font script="Laoo" typeface="DokChampa"/>
+        <a:font script="Sinh" typeface="Iskoola Pota"/>
+        <a:font script="Mong" typeface="Mongolian Baiti"/>
+        <a:font script="Viet" typeface="Arial"/>
+        <a:font script="Uigh" typeface="Microsoft Uighur"/>
+        <a:font script="Geor" typeface="Sylfaen"/>
+      </a:minorFont>
+    </a:fontScheme>
+    <a:fmtScheme name="Office">
+      <a:fillStyleLst>
+        <a:solidFill>
+          <a:schemeClr val="phClr"/>
+        </a:solidFill>
+        <a:gradFill rotWithShape="1">
+          <a:gsLst>
+            <a:gs pos="0">
+              <a:schemeClr val="phClr">
+                <a:lumMod val="110000"/>
+                <a:satMod val="105000"/>
+                <a:tint val="67000"/>
+              </a:schemeClr>
+            </a:gs>
+            <a:gs pos="50000">
+              <a:schemeClr val="phClr">
+                <a:lumMod val="105000"/>
+                <a:satMod val="103000"/>
+                <a:tint val="73000"/>
+              </a:schemeClr>
+            </a:gs>
+            <a:gs pos="100000">
+              <a:schemeClr val="phClr">
+                <a:lumMod val="105000"/>
+                <a:satMod val="109000"/>
+                <a:tint val="81000"/>
+              </a:schemeClr>
+            </a:gs>
+          </a:gsLst>
+          <a:lin ang="5400000" scaled="0"/>
+        </a:gradFill>
+        <a:gradFill rotWithShape="1">
+          <a:gsLst>
+            <a:gs pos="0">
+              <a:schemeClr val="phClr">
+                <a:satMod val="103000"/>
+                <a:lumMod val="102000"/>
+                <a:tint val="94000"/>
+              </a:schemeClr>
+            </a:gs>
+            <a:gs pos="50000">
+              <a:schemeClr val="phClr">
+                <a:satMod val="110000"/>
+                <a:lumMod val="100000"/>
+                <a:shade val="100000"/>
+              </a:schemeClr>
+            </a:gs>
+            <a:gs pos="100000">
+              <a:schemeClr val="phClr">
+                <a:lumMod val="99000"/>
+                <a:satMod val="120000"/>
+                <a:shade val="78000"/>
+              </a:schemeClr>
+            </a:gs>
+          </a:gsLst>
+          <a:lin ang="5400000" scaled="0"/>
+        </a:gradFill>
+      </a:fillStyleLst>
+      <a:lnStyleLst>
+        <a:ln w="6350" cap="flat" cmpd="sng" algn="ctr">
+          <a:solidFill>
+            <a:schemeClr val="phClr"/>
+          </a:solidFill>
+          <a:prstDash val="solid"/>
+          <a:miter lim="800000"/>
+        </a:ln>
+        <a:ln w="12700" cap="flat" cmpd="sng" algn="ctr">
+          <a:solidFill>
+            <a:schemeClr val="phClr"/>
+          </a:solidFill>
+          <a:prstDash val="solid"/>
+          <a:miter lim="800000"/>
+        </a:ln>
+        <a:ln w="19050" cap="flat" cmpd="sng" algn="ctr">
+          <a:solidFill>
+            <a:schemeClr val="phClr"/>
+          </a:solidFill>
+          <a:prstDash val="solid"/>
+          <a:miter lim="800000"/>
+        </a:ln>
+      </a:lnStyleLst>
+      <a:effectStyleLst>
+        <a:effectStyle>
+          <a:effectLst/>
+        </a:effectStyle>
+        <a:effectStyle>
+          <a:effectLst/>
+        </a:effectStyle>
+        <a:effectStyle>
+          <a:effectLst>
+            <a:outerShdw blurRad="57150" dist="19050" dir="5400000" algn="ctr" rotWithShape="0">
+              <a:srgbClr val="000000">
+                <a:alpha val="63000"/>
+              </a:srgbClr>
+            </a:outerShdw>
+          </a:effectLst>
+        </a:effectStyle>
+      </a:effectStyleLst>
+      <a:bgFillStyleLst>
+        <a:solidFill>
+          <a:schemeClr val="phClr"/>
+        </a:solidFill>
+        <a:solidFill>
+          <a:schemeClr val="phClr">
+            <a:tint val="95000"/>
+            <a:satMod val="170000"/>
+          </a:schemeClr>
+        </a:solidFill>
+        <a:gradFill rotWithShape="1">
+          <a:gsLst>
+            <a:gs pos="0">
+              <a:schemeClr val="phClr">
+                <a:tint val="93000"/>
+                <a:satMod val="150000"/>
+                <a:shade val="98000"/>
+                <a:lumMod val="102000"/>
+              </a:schemeClr>
+            </a:gs>
+            <a:gs pos="50000">
+              <a:schemeClr val="phClr">
+                <a:tint val="98000"/>
+                <a:satMod val="130000"/>
+                <a:shade val="90000"/>
+                <a:lumMod val="103000"/>
+              </a:schemeClr>
+            </a:gs>
+            <a:gs pos="100000">
+              <a:schemeClr val="phClr">
+                <a:shade val="63000"/>
+                <a:satMod val="120000"/>
+              </a:schemeClr>
+            </a:gs>
+          </a:gsLst>
+          <a:lin ang="5400000" scaled="0"/>
+        </a:gradFill>
+      </a:bgFillStyleLst>
+    </a:fmtScheme>
+  </a:themeElements>
+  <a:objectDefaults/>
+  <a:extraClrSchemeLst/>
+  <a:extLst>
+    <a:ext uri="{05A4C25C-085E-4340-85A3-A5531E510DB2}">
+      <thm15:themeFamily xmlns:thm15="http://schemas.microsoft.com/office/thememl/2012/main" name="Office Theme" id="{62F939B6-93AF-4DB8-9C6B-D6C7DFDC589F}" vid="{4A3C46E8-61CC-4603-A589-7422A47A8E4A}"/>
     </a:ext>
   </a:extLst>
 </a:theme>
